--- a/assignment3_op.pptx
+++ b/assignment3_op.pptx
@@ -6,9 +6,10 @@
   </p:sldMasterIdLst>
   <p:sldIdLst>
     <p:sldId id="256" r:id="rId2"/>
-    <p:sldId id="258" r:id="rId3"/>
-    <p:sldId id="257" r:id="rId4"/>
-    <p:sldId id="259" r:id="rId5"/>
+    <p:sldId id="260" r:id="rId3"/>
+    <p:sldId id="258" r:id="rId4"/>
+    <p:sldId id="257" r:id="rId5"/>
+    <p:sldId id="259" r:id="rId6"/>
   </p:sldIdLst>
   <p:sldSz cx="12192000" cy="6858000"/>
   <p:notesSz cx="6858000" cy="9144000"/>
@@ -107,6 +108,11 @@
       </a:defRPr>
     </a:lvl9pPr>
   </p:defaultTextStyle>
+  <p:extLst>
+    <p:ext uri="{EFAFB233-063F-42B5-8137-9DF3F51BA10A}">
+      <p15:sldGuideLst xmlns:p15="http://schemas.microsoft.com/office/powerpoint/2012/main"/>
+    </p:ext>
+  </p:extLst>
 </p:presentation>
 </file>
 
@@ -3031,11 +3037,7 @@
             <a:pPr algn="l"/>
             <a:r>
               <a:rPr lang="en-US" dirty="0" smtClean="0"/>
-              <a:t>X:</a:t>
-            </a:r>
-            <a:r>
-              <a:rPr lang="en-US" dirty="0" smtClean="0"/>
-              <a:t>			</a:t>
+              <a:t>X:			</a:t>
             </a:r>
           </a:p>
           <a:p>
@@ -3070,13 +3072,8 @@
             <a:pPr algn="l"/>
             <a:r>
               <a:rPr lang="en-US" dirty="0" smtClean="0"/>
-              <a:t>Result: </a:t>
-            </a:r>
-            <a:r>
-              <a:rPr lang="en-US" dirty="0" smtClean="0"/>
-              <a:t>860	</a:t>
-            </a:r>
-            <a:endParaRPr lang="en-US" dirty="0" smtClean="0"/>
+              <a:t>Result: 860	</a:t>
+            </a:r>
           </a:p>
         </p:txBody>
       </p:sp>
@@ -3461,6 +3458,240 @@
         </p:nvSpPr>
         <p:spPr/>
         <p:txBody>
+          <a:bodyPr/>
+          <a:lstStyle/>
+          <a:p>
+            <a:r>
+              <a:rPr lang="en-US" dirty="0"/>
+              <a:t>outline</a:t>
+            </a:r>
+            <a:r>
+              <a:rPr lang="en-US" dirty="0" smtClean="0"/>
+              <a:t> of </a:t>
+            </a:r>
+            <a:r>
+              <a:rPr lang="en-US" dirty="0"/>
+              <a:t>Interior P</a:t>
+            </a:r>
+            <a:r>
+              <a:rPr lang="en-US" dirty="0" smtClean="0"/>
+              <a:t>oint Method</a:t>
+            </a:r>
+            <a:endParaRPr lang="en-US" dirty="0"/>
+          </a:p>
+        </p:txBody>
+      </p:sp>
+      <p:sp>
+        <p:nvSpPr>
+          <p:cNvPr id="3" name="内容占位符 2"/>
+          <p:cNvSpPr>
+            <a:spLocks noGrp="1"/>
+          </p:cNvSpPr>
+          <p:nvPr>
+            <p:ph idx="1"/>
+          </p:nvPr>
+        </p:nvSpPr>
+        <p:spPr/>
+        <p:txBody>
+          <a:bodyPr>
+            <a:normAutofit lnSpcReduction="10000"/>
+          </a:bodyPr>
+          <a:lstStyle/>
+          <a:p>
+            <a:r>
+              <a:rPr lang="en-US" dirty="0" err="1" smtClean="0"/>
+              <a:t>Presolve</a:t>
+            </a:r>
+            <a:r>
+              <a:rPr lang="en-US" dirty="0" smtClean="0"/>
+              <a:t>: simplification </a:t>
+            </a:r>
+            <a:r>
+              <a:rPr lang="en-US" dirty="0"/>
+              <a:t>and conversion of the problem to a standard form</a:t>
+            </a:r>
+            <a:r>
+              <a:rPr lang="en-US" dirty="0" smtClean="0"/>
+              <a:t>.</a:t>
+            </a:r>
+            <a:endParaRPr lang="en-US" dirty="0"/>
+          </a:p>
+          <a:p>
+            <a:r>
+              <a:rPr lang="en-US" dirty="0"/>
+              <a:t>Generate an initial </a:t>
+            </a:r>
+            <a:r>
+              <a:rPr lang="en-US" dirty="0" smtClean="0"/>
+              <a:t>point</a:t>
+            </a:r>
+          </a:p>
+          <a:p>
+            <a:pPr marL="0" indent="0">
+              <a:buNone/>
+            </a:pPr>
+            <a:r>
+              <a:rPr lang="en-US" dirty="0" smtClean="0"/>
+              <a:t>	</a:t>
+            </a:r>
+            <a:r>
+              <a:rPr lang="en-US" dirty="0"/>
+              <a:t>close to the central path</a:t>
+            </a:r>
+            <a:endParaRPr lang="en-US" dirty="0"/>
+          </a:p>
+          <a:p>
+            <a:r>
+              <a:rPr lang="en-US" dirty="0" smtClean="0"/>
+              <a:t>Predictor-corrector </a:t>
+            </a:r>
+            <a:r>
+              <a:rPr lang="en-US" dirty="0"/>
+              <a:t>iterations to solve the KKT equations. </a:t>
+            </a:r>
+            <a:endParaRPr lang="en-US" dirty="0" smtClean="0"/>
+          </a:p>
+          <a:p>
+            <a:pPr marL="0" indent="0">
+              <a:buNone/>
+            </a:pPr>
+            <a:r>
+              <a:rPr lang="en-US" dirty="0" smtClean="0"/>
+              <a:t>   find </a:t>
+            </a:r>
+            <a:r>
+              <a:rPr lang="en-US" dirty="0"/>
+              <a:t>a point where the </a:t>
+            </a:r>
+            <a:r>
+              <a:rPr lang="en-US" dirty="0" err="1">
+                <a:hlinkClick r:id="rId2"/>
+              </a:rPr>
+              <a:t>Karush</a:t>
+            </a:r>
+            <a:r>
+              <a:rPr lang="en-US" dirty="0">
+                <a:hlinkClick r:id="rId2"/>
+              </a:rPr>
+              <a:t>-Kuhn-Tucker (KKT)</a:t>
+            </a:r>
+            <a:r>
+              <a:rPr lang="en-US" dirty="0"/>
+              <a:t> conditions </a:t>
+            </a:r>
+            <a:r>
+              <a:rPr lang="en-US" dirty="0" smtClean="0"/>
+              <a:t>hold</a:t>
+            </a:r>
+          </a:p>
+          <a:p>
+            <a:pPr marL="0" indent="0">
+              <a:buNone/>
+            </a:pPr>
+            <a:r>
+              <a:rPr lang="en-US" dirty="0"/>
+              <a:t> </a:t>
+            </a:r>
+            <a:r>
+              <a:rPr lang="en-US" dirty="0" smtClean="0"/>
+              <a:t>  iterates </a:t>
+            </a:r>
+            <a:r>
+              <a:rPr lang="en-US" dirty="0"/>
+              <a:t>until it reaches a </a:t>
+            </a:r>
+            <a:r>
+              <a:rPr lang="en-US" dirty="0" smtClean="0"/>
+              <a:t>feasible point :</a:t>
+            </a:r>
+          </a:p>
+          <a:p>
+            <a:pPr marL="0" indent="0">
+              <a:buNone/>
+            </a:pPr>
+            <a:r>
+              <a:rPr lang="en-US" dirty="0"/>
+              <a:t> </a:t>
+            </a:r>
+            <a:r>
+              <a:rPr lang="en-US" dirty="0" smtClean="0"/>
+              <a:t>   satisfies </a:t>
+            </a:r>
+            <a:r>
+              <a:rPr lang="en-US" dirty="0"/>
+              <a:t>the constraints to within </a:t>
+            </a:r>
+            <a:r>
+              <a:rPr lang="en-US" dirty="0" smtClean="0"/>
+              <a:t>tolerances</a:t>
+            </a:r>
+          </a:p>
+          <a:p>
+            <a:pPr marL="0" indent="0">
+              <a:buNone/>
+            </a:pPr>
+            <a:r>
+              <a:rPr lang="en-US" dirty="0"/>
+              <a:t> </a:t>
+            </a:r>
+            <a:r>
+              <a:rPr lang="en-US" dirty="0" smtClean="0"/>
+              <a:t>   the </a:t>
+            </a:r>
+            <a:r>
+              <a:rPr lang="en-US" dirty="0"/>
+              <a:t>relative step sizes are </a:t>
+            </a:r>
+            <a:r>
+              <a:rPr lang="en-US" dirty="0" smtClean="0"/>
+              <a:t>small</a:t>
+            </a:r>
+            <a:endParaRPr lang="en-US" dirty="0"/>
+          </a:p>
+        </p:txBody>
+      </p:sp>
+    </p:spTree>
+    <p:extLst>
+      <p:ext uri="{BB962C8B-B14F-4D97-AF65-F5344CB8AC3E}">
+        <p14:creationId xmlns:p14="http://schemas.microsoft.com/office/powerpoint/2010/main" val="2347676400"/>
+      </p:ext>
+    </p:extLst>
+  </p:cSld>
+  <p:clrMapOvr>
+    <a:masterClrMapping/>
+  </p:clrMapOvr>
+</p:sld>
+</file>
+
+<file path=ppt/slides/slide3.xml><?xml version="1.0" encoding="utf-8"?>
+<p:sld xmlns:a="http://schemas.openxmlformats.org/drawingml/2006/main" xmlns:r="http://schemas.openxmlformats.org/officeDocument/2006/relationships" xmlns:p="http://schemas.openxmlformats.org/presentationml/2006/main">
+  <p:cSld>
+    <p:spTree>
+      <p:nvGrpSpPr>
+        <p:cNvPr id="1" name=""/>
+        <p:cNvGrpSpPr/>
+        <p:nvPr/>
+      </p:nvGrpSpPr>
+      <p:grpSpPr>
+        <a:xfrm>
+          <a:off x="0" y="0"/>
+          <a:ext cx="0" cy="0"/>
+          <a:chOff x="0" y="0"/>
+          <a:chExt cx="0" cy="0"/>
+        </a:xfrm>
+      </p:grpSpPr>
+      <p:sp>
+        <p:nvSpPr>
+          <p:cNvPr id="2" name="标题 1"/>
+          <p:cNvSpPr>
+            <a:spLocks noGrp="1"/>
+          </p:cNvSpPr>
+          <p:nvPr>
+            <p:ph type="title"/>
+          </p:nvPr>
+        </p:nvSpPr>
+        <p:spPr/>
+        <p:txBody>
           <a:bodyPr>
             <a:normAutofit fontScale="90000"/>
           </a:bodyPr>
@@ -3617,7 +3848,7 @@
 </p:sld>
 </file>
 
-<file path=ppt/slides/slide3.xml><?xml version="1.0" encoding="utf-8"?>
+<file path=ppt/slides/slide4.xml><?xml version="1.0" encoding="utf-8"?>
 <p:sld xmlns:a="http://schemas.openxmlformats.org/drawingml/2006/main" xmlns:r="http://schemas.openxmlformats.org/officeDocument/2006/relationships" xmlns:p="http://schemas.openxmlformats.org/presentationml/2006/main">
   <p:cSld>
     <p:spTree>
@@ -3722,7 +3953,7 @@
 </p:sld>
 </file>
 
-<file path=ppt/slides/slide4.xml><?xml version="1.0" encoding="utf-8"?>
+<file path=ppt/slides/slide5.xml><?xml version="1.0" encoding="utf-8"?>
 <p:sld xmlns:a="http://schemas.openxmlformats.org/drawingml/2006/main" xmlns:r="http://schemas.openxmlformats.org/officeDocument/2006/relationships" xmlns:p="http://schemas.openxmlformats.org/presentationml/2006/main">
   <p:cSld>
     <p:spTree>
